--- a/doc/ENP_Flowchart.pptx
+++ b/doc/ENP_Flowchart.pptx
@@ -288,6 +288,7 @@
           <a:p>
             <a:fld id="{50E89D64-ADD9-4DCD-B410-D32DC56EBC1B}" type="datetimeFigureOut">
               <a:rPr lang="ko-KR" altLang="en-US" smtClean="0"/>
+              <a:pPr/>
               <a:t>2016-11-07</a:t>
             </a:fld>
             <a:endParaRPr lang="ko-KR" altLang="en-US"/>
@@ -330,6 +331,7 @@
           <a:p>
             <a:fld id="{08ADBC34-B2A0-4D21-BE9C-3CB4C4300595}" type="slidenum">
               <a:rPr lang="ko-KR" altLang="en-US" smtClean="0"/>
+              <a:pPr/>
               <a:t>‹#›</a:t>
             </a:fld>
             <a:endParaRPr lang="ko-KR" altLang="en-US"/>
@@ -453,6 +455,7 @@
           <a:p>
             <a:fld id="{50E89D64-ADD9-4DCD-B410-D32DC56EBC1B}" type="datetimeFigureOut">
               <a:rPr lang="ko-KR" altLang="en-US" smtClean="0"/>
+              <a:pPr/>
               <a:t>2016-11-07</a:t>
             </a:fld>
             <a:endParaRPr lang="ko-KR" altLang="en-US"/>
@@ -495,6 +498,7 @@
           <a:p>
             <a:fld id="{08ADBC34-B2A0-4D21-BE9C-3CB4C4300595}" type="slidenum">
               <a:rPr lang="ko-KR" altLang="en-US" smtClean="0"/>
+              <a:pPr/>
               <a:t>‹#›</a:t>
             </a:fld>
             <a:endParaRPr lang="ko-KR" altLang="en-US"/>
@@ -628,6 +632,7 @@
           <a:p>
             <a:fld id="{50E89D64-ADD9-4DCD-B410-D32DC56EBC1B}" type="datetimeFigureOut">
               <a:rPr lang="ko-KR" altLang="en-US" smtClean="0"/>
+              <a:pPr/>
               <a:t>2016-11-07</a:t>
             </a:fld>
             <a:endParaRPr lang="ko-KR" altLang="en-US"/>
@@ -670,6 +675,7 @@
           <a:p>
             <a:fld id="{08ADBC34-B2A0-4D21-BE9C-3CB4C4300595}" type="slidenum">
               <a:rPr lang="ko-KR" altLang="en-US" smtClean="0"/>
+              <a:pPr/>
               <a:t>‹#›</a:t>
             </a:fld>
             <a:endParaRPr lang="ko-KR" altLang="en-US"/>
@@ -793,6 +799,7 @@
           <a:p>
             <a:fld id="{50E89D64-ADD9-4DCD-B410-D32DC56EBC1B}" type="datetimeFigureOut">
               <a:rPr lang="ko-KR" altLang="en-US" smtClean="0"/>
+              <a:pPr/>
               <a:t>2016-11-07</a:t>
             </a:fld>
             <a:endParaRPr lang="ko-KR" altLang="en-US"/>
@@ -835,6 +842,7 @@
           <a:p>
             <a:fld id="{08ADBC34-B2A0-4D21-BE9C-3CB4C4300595}" type="slidenum">
               <a:rPr lang="ko-KR" altLang="en-US" smtClean="0"/>
+              <a:pPr/>
               <a:t>‹#›</a:t>
             </a:fld>
             <a:endParaRPr lang="ko-KR" altLang="en-US"/>
@@ -1034,6 +1042,7 @@
           <a:p>
             <a:fld id="{50E89D64-ADD9-4DCD-B410-D32DC56EBC1B}" type="datetimeFigureOut">
               <a:rPr lang="ko-KR" altLang="en-US" smtClean="0"/>
+              <a:pPr/>
               <a:t>2016-11-07</a:t>
             </a:fld>
             <a:endParaRPr lang="ko-KR" altLang="en-US"/>
@@ -1076,6 +1085,7 @@
           <a:p>
             <a:fld id="{08ADBC34-B2A0-4D21-BE9C-3CB4C4300595}" type="slidenum">
               <a:rPr lang="ko-KR" altLang="en-US" smtClean="0"/>
+              <a:pPr/>
               <a:t>‹#›</a:t>
             </a:fld>
             <a:endParaRPr lang="ko-KR" altLang="en-US"/>
@@ -1317,6 +1327,7 @@
           <a:p>
             <a:fld id="{50E89D64-ADD9-4DCD-B410-D32DC56EBC1B}" type="datetimeFigureOut">
               <a:rPr lang="ko-KR" altLang="en-US" smtClean="0"/>
+              <a:pPr/>
               <a:t>2016-11-07</a:t>
             </a:fld>
             <a:endParaRPr lang="ko-KR" altLang="en-US"/>
@@ -1359,6 +1370,7 @@
           <a:p>
             <a:fld id="{08ADBC34-B2A0-4D21-BE9C-3CB4C4300595}" type="slidenum">
               <a:rPr lang="ko-KR" altLang="en-US" smtClean="0"/>
+              <a:pPr/>
               <a:t>‹#›</a:t>
             </a:fld>
             <a:endParaRPr lang="ko-KR" altLang="en-US"/>
@@ -1739,6 +1751,7 @@
           <a:p>
             <a:fld id="{50E89D64-ADD9-4DCD-B410-D32DC56EBC1B}" type="datetimeFigureOut">
               <a:rPr lang="ko-KR" altLang="en-US" smtClean="0"/>
+              <a:pPr/>
               <a:t>2016-11-07</a:t>
             </a:fld>
             <a:endParaRPr lang="ko-KR" altLang="en-US"/>
@@ -1781,6 +1794,7 @@
           <a:p>
             <a:fld id="{08ADBC34-B2A0-4D21-BE9C-3CB4C4300595}" type="slidenum">
               <a:rPr lang="ko-KR" altLang="en-US" smtClean="0"/>
+              <a:pPr/>
               <a:t>‹#›</a:t>
             </a:fld>
             <a:endParaRPr lang="ko-KR" altLang="en-US"/>
@@ -1852,6 +1866,7 @@
           <a:p>
             <a:fld id="{50E89D64-ADD9-4DCD-B410-D32DC56EBC1B}" type="datetimeFigureOut">
               <a:rPr lang="ko-KR" altLang="en-US" smtClean="0"/>
+              <a:pPr/>
               <a:t>2016-11-07</a:t>
             </a:fld>
             <a:endParaRPr lang="ko-KR" altLang="en-US"/>
@@ -1894,6 +1909,7 @@
           <a:p>
             <a:fld id="{08ADBC34-B2A0-4D21-BE9C-3CB4C4300595}" type="slidenum">
               <a:rPr lang="ko-KR" altLang="en-US" smtClean="0"/>
+              <a:pPr/>
               <a:t>‹#›</a:t>
             </a:fld>
             <a:endParaRPr lang="ko-KR" altLang="en-US"/>
@@ -1942,6 +1958,7 @@
           <a:p>
             <a:fld id="{50E89D64-ADD9-4DCD-B410-D32DC56EBC1B}" type="datetimeFigureOut">
               <a:rPr lang="ko-KR" altLang="en-US" smtClean="0"/>
+              <a:pPr/>
               <a:t>2016-11-07</a:t>
             </a:fld>
             <a:endParaRPr lang="ko-KR" altLang="en-US"/>
@@ -1984,6 +2001,7 @@
           <a:p>
             <a:fld id="{08ADBC34-B2A0-4D21-BE9C-3CB4C4300595}" type="slidenum">
               <a:rPr lang="ko-KR" altLang="en-US" smtClean="0"/>
+              <a:pPr/>
               <a:t>‹#›</a:t>
             </a:fld>
             <a:endParaRPr lang="ko-KR" altLang="en-US"/>
@@ -2214,6 +2232,7 @@
           <a:p>
             <a:fld id="{50E89D64-ADD9-4DCD-B410-D32DC56EBC1B}" type="datetimeFigureOut">
               <a:rPr lang="ko-KR" altLang="en-US" smtClean="0"/>
+              <a:pPr/>
               <a:t>2016-11-07</a:t>
             </a:fld>
             <a:endParaRPr lang="ko-KR" altLang="en-US"/>
@@ -2256,6 +2275,7 @@
           <a:p>
             <a:fld id="{08ADBC34-B2A0-4D21-BE9C-3CB4C4300595}" type="slidenum">
               <a:rPr lang="ko-KR" altLang="en-US" smtClean="0"/>
+              <a:pPr/>
               <a:t>‹#›</a:t>
             </a:fld>
             <a:endParaRPr lang="ko-KR" altLang="en-US"/>
@@ -2462,6 +2482,7 @@
           <a:p>
             <a:fld id="{50E89D64-ADD9-4DCD-B410-D32DC56EBC1B}" type="datetimeFigureOut">
               <a:rPr lang="ko-KR" altLang="en-US" smtClean="0"/>
+              <a:pPr/>
               <a:t>2016-11-07</a:t>
             </a:fld>
             <a:endParaRPr lang="ko-KR" altLang="en-US"/>
@@ -2504,6 +2525,7 @@
           <a:p>
             <a:fld id="{08ADBC34-B2A0-4D21-BE9C-3CB4C4300595}" type="slidenum">
               <a:rPr lang="ko-KR" altLang="en-US" smtClean="0"/>
+              <a:pPr/>
               <a:t>‹#›</a:t>
             </a:fld>
             <a:endParaRPr lang="ko-KR" altLang="en-US"/>
@@ -2670,6 +2692,7 @@
           <a:p>
             <a:fld id="{50E89D64-ADD9-4DCD-B410-D32DC56EBC1B}" type="datetimeFigureOut">
               <a:rPr lang="ko-KR" altLang="en-US" smtClean="0"/>
+              <a:pPr/>
               <a:t>2016-11-07</a:t>
             </a:fld>
             <a:endParaRPr lang="ko-KR" altLang="en-US"/>
@@ -2748,6 +2771,7 @@
           <a:p>
             <a:fld id="{08ADBC34-B2A0-4D21-BE9C-3CB4C4300595}" type="slidenum">
               <a:rPr lang="ko-KR" altLang="en-US" smtClean="0"/>
+              <a:pPr/>
               <a:t>‹#›</a:t>
             </a:fld>
             <a:endParaRPr lang="ko-KR" altLang="en-US"/>
@@ -3048,7 +3072,7 @@
         </p:nvSpPr>
         <p:spPr>
           <a:xfrm>
-            <a:off x="2807278" y="611560"/>
+            <a:off x="2708920" y="2771800"/>
             <a:ext cx="1224136" cy="432048"/>
           </a:xfrm>
           <a:prstGeom prst="flowChartTerminator">
@@ -3106,7 +3130,7 @@
         </p:nvSpPr>
         <p:spPr>
           <a:xfrm>
-            <a:off x="2829312" y="1326529"/>
+            <a:off x="2730954" y="3486769"/>
             <a:ext cx="1179512" cy="360040"/>
           </a:xfrm>
           <a:prstGeom prst="flowChartProcess">
@@ -3164,7 +3188,7 @@
         </p:nvSpPr>
         <p:spPr>
           <a:xfrm>
-            <a:off x="2829312" y="1974601"/>
+            <a:off x="2730954" y="4134841"/>
             <a:ext cx="1179512" cy="360040"/>
           </a:xfrm>
           <a:prstGeom prst="flowChartProcess">
@@ -3225,7 +3249,7 @@
         </p:nvSpPr>
         <p:spPr>
           <a:xfrm>
-            <a:off x="548680" y="3131840"/>
+            <a:off x="450322" y="5292080"/>
             <a:ext cx="1179512" cy="360040"/>
           </a:xfrm>
           <a:prstGeom prst="flowChartProcess">
@@ -3291,7 +3315,7 @@
         </p:nvSpPr>
         <p:spPr>
           <a:xfrm>
-            <a:off x="2132856" y="3131840"/>
+            <a:off x="2034498" y="5292080"/>
             <a:ext cx="1179512" cy="360040"/>
           </a:xfrm>
           <a:prstGeom prst="flowChartProcess">
@@ -3373,7 +3397,7 @@
         </p:nvSpPr>
         <p:spPr>
           <a:xfrm>
-            <a:off x="3717032" y="3131840"/>
+            <a:off x="3618674" y="5292080"/>
             <a:ext cx="1179512" cy="360040"/>
           </a:xfrm>
           <a:prstGeom prst="flowChartProcess">
@@ -3431,7 +3455,7 @@
         </p:nvSpPr>
         <p:spPr>
           <a:xfrm>
-            <a:off x="5301208" y="3131840"/>
+            <a:off x="5202850" y="5292080"/>
             <a:ext cx="1179512" cy="360040"/>
           </a:xfrm>
           <a:prstGeom prst="flowChartProcess">
@@ -3495,7 +3519,7 @@
         </p:nvCxnSpPr>
         <p:spPr>
           <a:xfrm flipH="1">
-            <a:off x="3419068" y="1043608"/>
+            <a:off x="3320710" y="3203848"/>
             <a:ext cx="278" cy="282921"/>
           </a:xfrm>
           <a:prstGeom prst="straightConnector1">
@@ -3534,7 +3558,7 @@
         </p:nvCxnSpPr>
         <p:spPr>
           <a:xfrm>
-            <a:off x="3419068" y="1686569"/>
+            <a:off x="3320710" y="3846809"/>
             <a:ext cx="0" cy="288032"/>
           </a:xfrm>
           <a:prstGeom prst="straightConnector1">
@@ -3573,7 +3597,7 @@
         </p:nvCxnSpPr>
         <p:spPr>
           <a:xfrm rot="5400000">
-            <a:off x="1880153" y="1592924"/>
+            <a:off x="1781795" y="3753164"/>
             <a:ext cx="797199" cy="2280632"/>
           </a:xfrm>
           <a:prstGeom prst="bentConnector3">
@@ -3614,7 +3638,7 @@
         </p:nvCxnSpPr>
         <p:spPr>
           <a:xfrm rot="5400000">
-            <a:off x="2672241" y="2385012"/>
+            <a:off x="2573883" y="4545252"/>
             <a:ext cx="797199" cy="696456"/>
           </a:xfrm>
           <a:prstGeom prst="bentConnector3">
@@ -3655,7 +3679,7 @@
         </p:nvCxnSpPr>
         <p:spPr>
           <a:xfrm rot="16200000" flipH="1">
-            <a:off x="3464329" y="2289380"/>
+            <a:off x="3365971" y="4449620"/>
             <a:ext cx="797199" cy="887720"/>
           </a:xfrm>
           <a:prstGeom prst="bentConnector3">
@@ -3696,7 +3720,7 @@
         </p:nvCxnSpPr>
         <p:spPr>
           <a:xfrm rot="16200000" flipH="1">
-            <a:off x="4256417" y="1497292"/>
+            <a:off x="4158059" y="3657532"/>
             <a:ext cx="797199" cy="2471896"/>
           </a:xfrm>
           <a:prstGeom prst="bentConnector3">
@@ -3734,7 +3758,7 @@
         </p:nvSpPr>
         <p:spPr>
           <a:xfrm>
-            <a:off x="1340768" y="4067944"/>
+            <a:off x="1242410" y="6228184"/>
             <a:ext cx="1179512" cy="360040"/>
           </a:xfrm>
           <a:prstGeom prst="flowChartProcess">
@@ -3795,7 +3819,7 @@
         </p:nvCxnSpPr>
         <p:spPr>
           <a:xfrm rot="16200000" flipH="1">
-            <a:off x="1246448" y="3383868"/>
+            <a:off x="1148090" y="5544108"/>
             <a:ext cx="576064" cy="792088"/>
           </a:xfrm>
           <a:prstGeom prst="bentConnector3">
@@ -3836,7 +3860,7 @@
         </p:nvCxnSpPr>
         <p:spPr>
           <a:xfrm rot="5400000">
-            <a:off x="2038536" y="3383868"/>
+            <a:off x="1940178" y="5544108"/>
             <a:ext cx="576064" cy="792088"/>
           </a:xfrm>
           <a:prstGeom prst="bentConnector3">
@@ -3877,7 +3901,7 @@
         </p:nvCxnSpPr>
         <p:spPr>
           <a:xfrm rot="10800000" flipH="1">
-            <a:off x="1340768" y="2154622"/>
+            <a:off x="1242410" y="4314862"/>
             <a:ext cx="1488544" cy="2093343"/>
           </a:xfrm>
           <a:prstGeom prst="bentConnector3">
@@ -3918,7 +3942,7 @@
         </p:nvCxnSpPr>
         <p:spPr>
           <a:xfrm rot="5400000" flipH="1">
-            <a:off x="3489176" y="2674269"/>
+            <a:off x="3390818" y="4834509"/>
             <a:ext cx="1337259" cy="297964"/>
           </a:xfrm>
           <a:prstGeom prst="bentConnector4">
@@ -3949,6 +3973,37 @@
           </a:fontRef>
         </p:style>
       </p:cxnSp>
+      <p:sp>
+        <p:nvSpPr>
+          <p:cNvPr id="21" name="TextBox 20"/>
+          <p:cNvSpPr txBox="1"/>
+          <p:nvPr/>
+        </p:nvSpPr>
+        <p:spPr>
+          <a:xfrm>
+            <a:off x="1052736" y="899592"/>
+            <a:ext cx="4608512" cy="369332"/>
+          </a:xfrm>
+          <a:prstGeom prst="rect">
+            <a:avLst/>
+          </a:prstGeom>
+          <a:noFill/>
+        </p:spPr>
+        <p:txBody>
+          <a:bodyPr wrap="square" rtlCol="0">
+            <a:spAutoFit/>
+          </a:bodyPr>
+          <a:lstStyle/>
+          <a:p>
+            <a:pPr algn="ctr"/>
+            <a:r>
+              <a:rPr lang="en-US" altLang="ko-KR" dirty="0" smtClean="0"/>
+              <a:t>Escape from N2 Planet Flow Chart</a:t>
+            </a:r>
+            <a:endParaRPr lang="ko-KR" altLang="en-US" dirty="0"/>
+          </a:p>
+        </p:txBody>
+      </p:sp>
     </p:spTree>
   </p:cSld>
   <p:clrMapOvr>
